--- a/정규화.pptx
+++ b/정규화.pptx
@@ -107,6 +107,11 @@
       </a:defRPr>
     </a:lvl9pPr>
   </p:defaultTextStyle>
+  <p:extLst>
+    <p:ext uri="{EFAFB233-063F-42B5-8137-9DF3F51BA10A}">
+      <p15:sldGuideLst xmlns:p15="http://schemas.microsoft.com/office/powerpoint/2012/main"/>
+    </p:ext>
+  </p:extLst>
 </p:presentation>
 </file>
 
@@ -4833,7 +4838,7 @@
             </a:r>
             <a:r>
               <a:rPr lang="ko-KR" altLang="en-US" dirty="0" err="1"/>
-              <a:t>정규화하였다</a:t>
+              <a:t>정규화함</a:t>
             </a:r>
             <a:endParaRPr lang="ko-KR" altLang="en-US" dirty="0"/>
           </a:p>
@@ -5328,14 +5333,14 @@
           <p:nvPr>
             <p:extLst>
               <p:ext uri="{D42A27DB-BD31-4B8C-83A1-F6EECF244321}">
-                <p14:modId xmlns:p14="http://schemas.microsoft.com/office/powerpoint/2010/main" val="2536179758"/>
+                <p14:modId xmlns:p14="http://schemas.microsoft.com/office/powerpoint/2010/main" val="166375894"/>
               </p:ext>
             </p:extLst>
           </p:nvPr>
         </p:nvGraphicFramePr>
         <p:xfrm>
           <a:off x="7029117" y="1177342"/>
-          <a:ext cx="3994483" cy="3667374"/>
+          <a:ext cx="3994485" cy="3667374"/>
         </p:xfrm>
         <a:graphic>
           <a:graphicData uri="http://schemas.openxmlformats.org/drawingml/2006/table">
@@ -5344,22 +5349,44 @@
                 <a:tableStyleId>{5C22544A-7EE6-4342-B048-85BDC9FD1C3A}</a:tableStyleId>
               </a:tblPr>
               <a:tblGrid>
-                <a:gridCol w="2005804">
+                <a:gridCol w="1339117">
                   <a:extLst>
                     <a:ext uri="{9D8B030D-6E8A-4147-A177-3AD203B41FA5}">
                       <a16:colId xmlns:a16="http://schemas.microsoft.com/office/drawing/2014/main" val="870510837"/>
                     </a:ext>
                   </a:extLst>
                 </a:gridCol>
-                <a:gridCol w="1988679">
+                <a:gridCol w="1327684">
                   <a:extLst>
                     <a:ext uri="{9D8B030D-6E8A-4147-A177-3AD203B41FA5}">
                       <a16:colId xmlns:a16="http://schemas.microsoft.com/office/drawing/2014/main" val="641599700"/>
                     </a:ext>
                   </a:extLst>
                 </a:gridCol>
+                <a:gridCol w="1327684">
+                  <a:extLst>
+                    <a:ext uri="{9D8B030D-6E8A-4147-A177-3AD203B41FA5}">
+                      <a16:colId xmlns:a16="http://schemas.microsoft.com/office/drawing/2014/main" val="1457395400"/>
+                    </a:ext>
+                  </a:extLst>
+                </a:gridCol>
               </a:tblGrid>
               <a:tr h="611229">
+                <a:tc>
+                  <a:txBody>
+                    <a:bodyPr/>
+                    <a:lstStyle/>
+                    <a:p>
+                      <a:pPr latinLnBrk="1"/>
+                      <a:r>
+                        <a:rPr lang="ko-KR" altLang="en-US" dirty="0" err="1"/>
+                        <a:t>직업아이디</a:t>
+                      </a:r>
+                      <a:endParaRPr lang="ko-KR" altLang="en-US" dirty="0"/>
+                    </a:p>
+                  </a:txBody>
+                  <a:tcPr/>
+                </a:tc>
                 <a:tc>
                   <a:txBody>
                     <a:bodyPr/>
@@ -5404,6 +5431,21 @@
                       <a:pPr latinLnBrk="1"/>
                       <a:r>
                         <a:rPr lang="en-US" altLang="ko-KR" dirty="0"/>
+                        <a:t>1</a:t>
+                      </a:r>
+                      <a:endParaRPr lang="ko-KR" altLang="en-US" dirty="0"/>
+                    </a:p>
+                  </a:txBody>
+                  <a:tcPr/>
+                </a:tc>
+                <a:tc>
+                  <a:txBody>
+                    <a:bodyPr/>
+                    <a:lstStyle/>
+                    <a:p>
+                      <a:pPr latinLnBrk="1"/>
+                      <a:r>
+                        <a:rPr lang="en-US" altLang="ko-KR" dirty="0"/>
                         <a:t>Apple</a:t>
                       </a:r>
                       <a:endParaRPr lang="ko-KR" altLang="en-US" dirty="0"/>
@@ -5440,6 +5482,21 @@
                       <a:pPr latinLnBrk="1"/>
                       <a:r>
                         <a:rPr lang="en-US" altLang="ko-KR" dirty="0"/>
+                        <a:t>2</a:t>
+                      </a:r>
+                      <a:endParaRPr lang="ko-KR" altLang="en-US" dirty="0"/>
+                    </a:p>
+                  </a:txBody>
+                  <a:tcPr/>
+                </a:tc>
+                <a:tc>
+                  <a:txBody>
+                    <a:bodyPr/>
+                    <a:lstStyle/>
+                    <a:p>
+                      <a:pPr latinLnBrk="1"/>
+                      <a:r>
+                        <a:rPr lang="en-US" altLang="ko-KR" dirty="0"/>
                         <a:t>Banana</a:t>
                       </a:r>
                       <a:endParaRPr lang="ko-KR" altLang="en-US" dirty="0"/>
@@ -5476,6 +5533,21 @@
                       <a:pPr latinLnBrk="1"/>
                       <a:r>
                         <a:rPr lang="en-US" altLang="ko-KR" dirty="0"/>
+                        <a:t>3</a:t>
+                      </a:r>
+                      <a:endParaRPr lang="ko-KR" altLang="en-US" dirty="0"/>
+                    </a:p>
+                  </a:txBody>
+                  <a:tcPr/>
+                </a:tc>
+                <a:tc>
+                  <a:txBody>
+                    <a:bodyPr/>
+                    <a:lstStyle/>
+                    <a:p>
+                      <a:pPr latinLnBrk="1"/>
+                      <a:r>
+                        <a:rPr lang="en-US" altLang="ko-KR" dirty="0"/>
                         <a:t>Carrot</a:t>
                       </a:r>
                       <a:endParaRPr lang="ko-KR" altLang="en-US" dirty="0"/>
@@ -5512,6 +5584,21 @@
                       <a:pPr latinLnBrk="1"/>
                       <a:r>
                         <a:rPr lang="en-US" altLang="ko-KR" dirty="0"/>
+                        <a:t>4</a:t>
+                      </a:r>
+                      <a:endParaRPr lang="ko-KR" altLang="en-US" dirty="0"/>
+                    </a:p>
+                  </a:txBody>
+                  <a:tcPr/>
+                </a:tc>
+                <a:tc>
+                  <a:txBody>
+                    <a:bodyPr/>
+                    <a:lstStyle/>
+                    <a:p>
+                      <a:pPr latinLnBrk="1"/>
+                      <a:r>
+                        <a:rPr lang="en-US" altLang="ko-KR" dirty="0"/>
                         <a:t>orange</a:t>
                       </a:r>
                       <a:endParaRPr lang="ko-KR" altLang="en-US" dirty="0"/>
@@ -5540,6 +5627,21 @@
                 </a:extLst>
               </a:tr>
               <a:tr h="611229">
+                <a:tc>
+                  <a:txBody>
+                    <a:bodyPr/>
+                    <a:lstStyle/>
+                    <a:p>
+                      <a:pPr latinLnBrk="1"/>
+                      <a:r>
+                        <a:rPr lang="en-US" altLang="ko-KR" dirty="0"/>
+                        <a:t>5</a:t>
+                      </a:r>
+                      <a:endParaRPr lang="ko-KR" altLang="en-US" dirty="0"/>
+                    </a:p>
+                  </a:txBody>
+                  <a:tcPr/>
+                </a:tc>
                 <a:tc>
                   <a:txBody>
                     <a:bodyPr/>
